--- a/final project.pptx
+++ b/final project.pptx
@@ -3863,15 +3863,7 @@
             </a:r>
             <a:r>
               <a:rPr lang="en-US" dirty="0"/>
-              <a:t> have virtualized hardware renditions, which tend to be very “</a:t>
-            </a:r>
-            <a:r>
-              <a:rPr lang="en-US" dirty="0" err="1"/>
-              <a:t>finacky</a:t>
-            </a:r>
-            <a:r>
-              <a:rPr lang="en-US" dirty="0"/>
-              <a:t>” in certain situations</a:t>
+              <a:t> have virtualized hardware renditions, which tend to be very “finicky” in certain situations</a:t>
             </a:r>
           </a:p>
           <a:p>
@@ -3954,7 +3946,7 @@
           <a:p>
             <a:r>
               <a:rPr lang="en-US" dirty="0"/>
-              <a:t>Things that I learned</a:t>
+              <a:t>Take away</a:t>
             </a:r>
           </a:p>
         </p:txBody>
@@ -3976,8 +3968,23 @@
           <a:p>
             <a:r>
               <a:rPr lang="en-US" dirty="0"/>
-              <a:t>Didn’t think I would messing with VM internal networks, etc.</a:t>
-            </a:r>
+              <a:t>My main takeaway from this project, was just how complex these network systems truly are</a:t>
+            </a:r>
+          </a:p>
+          <a:p>
+            <a:r>
+              <a:rPr lang="en-US" dirty="0"/>
+              <a:t>Furthermore, it made me realize how difficult of a task testing new algorithms on this system could actually be</a:t>
+            </a:r>
+          </a:p>
+          <a:p>
+            <a:r>
+              <a:rPr lang="en-US" dirty="0"/>
+              <a:t>Sometimes emulation leads to having to address more problems with the virtual system than actually addressing the problems that you had originally planned on exploring</a:t>
+            </a:r>
+          </a:p>
+          <a:p>
+            <a:endParaRPr lang="en-US" dirty="0"/>
           </a:p>
         </p:txBody>
       </p:sp>

--- a/final project.pptx
+++ b/final project.pptx
@@ -110,7 +110,16 @@
       </a:defRPr>
     </a:lvl9pPr>
   </p:defaultTextStyle>
+  <p:extLst>
+    <p:ext uri="{EFAFB233-063F-42B5-8137-9DF3F51BA10A}">
+      <p15:sldGuideLst xmlns:p15="http://schemas.microsoft.com/office/powerpoint/2012/main"/>
+    </p:ext>
+  </p:extLst>
 </p:presentation>
+</file>
+
+<file path=ppt/revisionInfo.xml><?xml version="1.0" encoding="utf-8"?>
+<p1510:revInfo xmlns:a="http://schemas.openxmlformats.org/drawingml/2006/main" xmlns:r="http://schemas.openxmlformats.org/officeDocument/2006/relationships" xmlns:p1510="http://schemas.microsoft.com/office/powerpoint/2015/10/main"/>
 </file>
 
 <file path=ppt/slideLayouts/slideLayout1.xml><?xml version="1.0" encoding="utf-8"?>
@@ -276,7 +285,7 @@
           <a:p>
             <a:fld id="{29BAC542-9FDF-49AB-A9EC-0FA81B0A97B0}" type="datetimeFigureOut">
               <a:rPr lang="en-US" smtClean="0"/>
-              <a:t>4/30/2017</a:t>
+              <a:t>5/2/2017</a:t>
             </a:fld>
             <a:endParaRPr lang="en-US"/>
           </a:p>
@@ -446,7 +455,7 @@
           <a:p>
             <a:fld id="{29BAC542-9FDF-49AB-A9EC-0FA81B0A97B0}" type="datetimeFigureOut">
               <a:rPr lang="en-US" smtClean="0"/>
-              <a:t>4/30/2017</a:t>
+              <a:t>5/2/2017</a:t>
             </a:fld>
             <a:endParaRPr lang="en-US"/>
           </a:p>
@@ -626,7 +635,7 @@
           <a:p>
             <a:fld id="{29BAC542-9FDF-49AB-A9EC-0FA81B0A97B0}" type="datetimeFigureOut">
               <a:rPr lang="en-US" smtClean="0"/>
-              <a:t>4/30/2017</a:t>
+              <a:t>5/2/2017</a:t>
             </a:fld>
             <a:endParaRPr lang="en-US"/>
           </a:p>
@@ -796,7 +805,7 @@
           <a:p>
             <a:fld id="{29BAC542-9FDF-49AB-A9EC-0FA81B0A97B0}" type="datetimeFigureOut">
               <a:rPr lang="en-US" smtClean="0"/>
-              <a:t>4/30/2017</a:t>
+              <a:t>5/2/2017</a:t>
             </a:fld>
             <a:endParaRPr lang="en-US"/>
           </a:p>
@@ -1064,7 +1073,7 @@
           <a:p>
             <a:fld id="{29BAC542-9FDF-49AB-A9EC-0FA81B0A97B0}" type="datetimeFigureOut">
               <a:rPr lang="en-US" smtClean="0"/>
-              <a:t>4/30/2017</a:t>
+              <a:t>5/2/2017</a:t>
             </a:fld>
             <a:endParaRPr lang="en-US"/>
           </a:p>
@@ -1296,7 +1305,7 @@
           <a:p>
             <a:fld id="{29BAC542-9FDF-49AB-A9EC-0FA81B0A97B0}" type="datetimeFigureOut">
               <a:rPr lang="en-US" smtClean="0"/>
-              <a:t>4/30/2017</a:t>
+              <a:t>5/2/2017</a:t>
             </a:fld>
             <a:endParaRPr lang="en-US"/>
           </a:p>
@@ -1655,7 +1664,7 @@
           <a:p>
             <a:fld id="{29BAC542-9FDF-49AB-A9EC-0FA81B0A97B0}" type="datetimeFigureOut">
               <a:rPr lang="en-US" smtClean="0"/>
-              <a:t>4/30/2017</a:t>
+              <a:t>5/2/2017</a:t>
             </a:fld>
             <a:endParaRPr lang="en-US"/>
           </a:p>
@@ -1796,7 +1805,7 @@
           <a:p>
             <a:fld id="{29BAC542-9FDF-49AB-A9EC-0FA81B0A97B0}" type="datetimeFigureOut">
               <a:rPr lang="en-US" smtClean="0"/>
-              <a:t>4/30/2017</a:t>
+              <a:t>5/2/2017</a:t>
             </a:fld>
             <a:endParaRPr lang="en-US"/>
           </a:p>
@@ -1891,7 +1900,7 @@
           <a:p>
             <a:fld id="{29BAC542-9FDF-49AB-A9EC-0FA81B0A97B0}" type="datetimeFigureOut">
               <a:rPr lang="en-US" smtClean="0"/>
-              <a:t>4/30/2017</a:t>
+              <a:t>5/2/2017</a:t>
             </a:fld>
             <a:endParaRPr lang="en-US"/>
           </a:p>
@@ -2248,7 +2257,7 @@
           <a:p>
             <a:fld id="{29BAC542-9FDF-49AB-A9EC-0FA81B0A97B0}" type="datetimeFigureOut">
               <a:rPr lang="en-US" smtClean="0"/>
-              <a:t>4/30/2017</a:t>
+              <a:t>5/2/2017</a:t>
             </a:fld>
             <a:endParaRPr lang="en-US"/>
           </a:p>
@@ -2605,7 +2614,7 @@
           <a:p>
             <a:fld id="{29BAC542-9FDF-49AB-A9EC-0FA81B0A97B0}" type="datetimeFigureOut">
               <a:rPr lang="en-US" smtClean="0"/>
-              <a:t>4/30/2017</a:t>
+              <a:t>5/2/2017</a:t>
             </a:fld>
             <a:endParaRPr lang="en-US"/>
           </a:p>
@@ -2846,7 +2855,7 @@
           <a:p>
             <a:fld id="{29BAC542-9FDF-49AB-A9EC-0FA81B0A97B0}" type="datetimeFigureOut">
               <a:rPr lang="en-US" smtClean="0"/>
-              <a:t>4/30/2017</a:t>
+              <a:t>5/2/2017</a:t>
             </a:fld>
             <a:endParaRPr lang="en-US"/>
           </a:p>
@@ -3413,13 +3422,20 @@
           <a:p>
             <a:r>
               <a:rPr lang="en-US" dirty="0"/>
-              <a:t>I began taking up a interest in currency trading in high school</a:t>
+              <a:t>I began taking up a interest in foreign exchange trading (FOREX) in high school</a:t>
             </a:r>
           </a:p>
           <a:p>
             <a:r>
               <a:rPr lang="en-US" dirty="0"/>
-              <a:t>This form of trading soon led me towards learning more about the world of “algorithmic trading”</a:t>
+              <a:t>This form of trading soon led me towards learning more about the world of </a:t>
+            </a:r>
+            <a:br>
+              <a:rPr lang="en-US" dirty="0"/>
+            </a:br>
+            <a:r>
+              <a:rPr lang="en-US" dirty="0"/>
+              <a:t>“trading robots”, which is formally known as “algorithmic trading”</a:t>
             </a:r>
           </a:p>
           <a:p>
@@ -3532,7 +3548,7 @@
           <a:p>
             <a:r>
               <a:rPr lang="en-US" dirty="0"/>
-              <a:t>My project aims to emulate one tiny portion of the algorithmic/HFT trading network environment</a:t>
+              <a:t>My project aims to simulate one portion of the algorithmic/HFT trading network environment</a:t>
             </a:r>
           </a:p>
           <a:p>
@@ -3616,7 +3632,7 @@
             </a:r>
             <a:r>
               <a:rPr lang="en-US" dirty="0"/>
-              <a:t> it was done*</a:t>
+              <a:t> it was done</a:t>
             </a:r>
           </a:p>
         </p:txBody>
@@ -3719,7 +3735,7 @@
           <a:p>
             <a:r>
               <a:rPr lang="en-US" dirty="0"/>
-              <a:t>Topics involved </a:t>
+              <a:t>Technologies utilized </a:t>
             </a:r>
           </a:p>
         </p:txBody>
@@ -3746,11 +3762,20 @@
           </a:p>
           <a:p>
             <a:r>
+              <a:rPr lang="en-US" dirty="0" err="1"/>
+              <a:t>VirtualBox</a:t>
+            </a:r>
+            <a:endParaRPr lang="en-US" dirty="0"/>
+          </a:p>
+          <a:p>
+            <a:pPr lvl="1"/>
+            <a:r>
               <a:rPr lang="en-US" dirty="0"/>
               <a:t>Virtual machines</a:t>
             </a:r>
           </a:p>
           <a:p>
+            <a:pPr lvl="1"/>
             <a:r>
               <a:rPr lang="en-US" dirty="0"/>
               <a:t>Internal network setup &amp; use</a:t>
@@ -3760,6 +3785,19 @@
             <a:r>
               <a:rPr lang="en-US" dirty="0"/>
               <a:t>Linux C-based hardware libraries</a:t>
+            </a:r>
+          </a:p>
+          <a:p>
+            <a:r>
+              <a:rPr lang="en-US" dirty="0" err="1"/>
+              <a:t>tcpdump</a:t>
+            </a:r>
+            <a:endParaRPr lang="en-US" dirty="0"/>
+          </a:p>
+          <a:p>
+            <a:r>
+              <a:rPr lang="en-US" dirty="0"/>
+              <a:t>Vagrant</a:t>
             </a:r>
           </a:p>
           <a:p>
@@ -3869,26 +3907,18 @@
           <a:p>
             <a:r>
               <a:rPr lang="en-US" dirty="0"/>
+              <a:t> Because the system is so abstracted through the virtualization process, it is often quite easy to get confused as to what the steps are to accomplishing what you originally thought was a simple task</a:t>
+            </a:r>
+          </a:p>
+          <a:p>
+            <a:pPr marL="0" indent="0">
+              <a:buNone/>
+            </a:pPr>
+            <a:r>
+              <a:rPr lang="en-US"/>
               <a:t> </a:t>
             </a:r>
-          </a:p>
-          <a:p>
-            <a:r>
-              <a:rPr lang="en-US" dirty="0"/>
-              <a:t> </a:t>
-            </a:r>
-          </a:p>
-          <a:p>
-            <a:pPr marL="0" indent="0">
-              <a:buNone/>
-            </a:pPr>
             <a:endParaRPr lang="en-US" dirty="0"/>
-          </a:p>
-          <a:p>
-            <a:r>
-              <a:rPr lang="en-US" dirty="0"/>
-              <a:t> </a:t>
-            </a:r>
           </a:p>
           <a:p>
             <a:endParaRPr lang="en-US" dirty="0"/>
